--- a/learn-jvm-overview/doc/JVM内存结构及内存溢出定分析.pptx
+++ b/learn-jvm-overview/doc/JVM内存结构及内存溢出定分析.pptx
@@ -493,6 +493,111 @@
         <p:txBody>
           <a:bodyPr/>
           <a:p>
+            <a:endParaRPr lang="zh-CN" altLang="en-US"/>
+          </a:p>
+        </p:txBody>
+      </p:sp>
+    </p:spTree>
+  </p:cSld>
+  <p:clrMapOvr>
+    <a:masterClrMapping/>
+  </p:clrMapOvr>
+</p:notes>
+</file>
+
+<file path=ppt/notesSlides/notesSlide2.xml><?xml version="1.0" encoding="utf-8"?>
+<p:notes xmlns:a="http://schemas.openxmlformats.org/drawingml/2006/main" xmlns:r="http://schemas.openxmlformats.org/officeDocument/2006/relationships" xmlns:p="http://schemas.openxmlformats.org/presentationml/2006/main">
+  <p:cSld>
+    <p:spTree>
+      <p:nvGrpSpPr>
+        <p:cNvPr id="1" name=""/>
+        <p:cNvGrpSpPr/>
+        <p:nvPr/>
+      </p:nvGrpSpPr>
+      <p:grpSpPr/>
+      <p:sp>
+        <p:nvSpPr>
+          <p:cNvPr id="2" name="幻灯片图像占位符 1"/>
+          <p:cNvSpPr/>
+          <p:nvPr>
+            <p:ph type="sldImg" idx="2"/>
+          </p:nvPr>
+        </p:nvSpPr>
+        <p:spPr/>
+      </p:sp>
+      <p:sp>
+        <p:nvSpPr>
+          <p:cNvPr id="3" name="文本占位符 2"/>
+          <p:cNvSpPr/>
+          <p:nvPr>
+            <p:ph type="body" idx="3"/>
+          </p:nvPr>
+        </p:nvSpPr>
+        <p:spPr/>
+        <p:txBody>
+          <a:bodyPr/>
+          <a:p>
+            <a:r>
+              <a:rPr lang="en-US" altLang="zh-CN"/>
+              <a:t>Reference Document: </a:t>
+            </a:r>
+            <a:r>
+              <a:rPr lang="zh-CN" altLang="en-US"/>
+              <a:t>https://docs.oracle.com/javase/8/docs/technotes/tools/index.html#monitor</a:t>
+            </a:r>
+            <a:endParaRPr lang="zh-CN" altLang="en-US"/>
+          </a:p>
+          <a:p>
+            <a:endParaRPr lang="zh-CN" altLang="en-US"/>
+          </a:p>
+          <a:p>
+            <a:endParaRPr lang="zh-CN" altLang="en-US"/>
+          </a:p>
+          <a:p>
+            <a:r>
+              <a:rPr lang="zh-CN" altLang="en-US"/>
+              <a:t>jstat -gcutil -h10 </a:t>
+            </a:r>
+            <a:r>
+              <a:rPr lang="en-US" altLang="zh-CN"/>
+              <a:t>&lt;pid&gt;</a:t>
+            </a:r>
+            <a:r>
+              <a:rPr lang="zh-CN" altLang="en-US"/>
+              <a:t> 2s</a:t>
+            </a:r>
+            <a:endParaRPr lang="zh-CN" altLang="en-US"/>
+          </a:p>
+          <a:p>
+            <a:endParaRPr lang="zh-CN" altLang="en-US"/>
+          </a:p>
+          <a:p>
+            <a:r>
+              <a:rPr lang="zh-CN" altLang="en-US"/>
+              <a:t>jmap -histo:live </a:t>
+            </a:r>
+            <a:r>
+              <a:rPr lang="en-US" altLang="zh-CN"/>
+              <a:t>&lt;pid&gt;</a:t>
+            </a:r>
+            <a:endParaRPr lang="zh-CN" altLang="en-US"/>
+          </a:p>
+          <a:p>
+            <a:endParaRPr lang="zh-CN" altLang="en-US"/>
+          </a:p>
+          <a:p>
+            <a:r>
+              <a:rPr lang="zh-CN" altLang="en-US"/>
+              <a:t>jmap -dump:live,format=b,file=dump/9352.hprof</a:t>
+            </a:r>
+            <a:r>
+              <a:rPr lang="en-US" altLang="zh-CN"/>
+              <a:t>.0</a:t>
+            </a:r>
+            <a:r>
+              <a:rPr lang="zh-CN" altLang="en-US"/>
+              <a:t> &lt;pid&gt;</a:t>
+            </a:r>
             <a:endParaRPr lang="zh-CN" altLang="en-US"/>
           </a:p>
         </p:txBody>
@@ -4791,8 +4896,8 @@
         </p:nvSpPr>
         <p:spPr>
           <a:xfrm>
-            <a:off x="3522980" y="1459230"/>
-            <a:ext cx="5145405" cy="2999740"/>
+            <a:off x="2453005" y="1081405"/>
+            <a:ext cx="7357110" cy="5215890"/>
           </a:xfrm>
           <a:prstGeom prst="rect">
             <a:avLst/>
@@ -4818,6 +4923,28 @@
             <a:endParaRPr lang="en-US" altLang="zh-CN"/>
           </a:p>
           <a:p>
+            <a:pPr indent="0">
+              <a:lnSpc>
+                <a:spcPct val="150000"/>
+              </a:lnSpc>
+              <a:buFont typeface="Arial" panose="020B0604020202020204" pitchFamily="34" charset="0"/>
+              <a:buNone/>
+            </a:pPr>
+            <a:r>
+              <a:rPr lang="en-US" altLang="zh-CN" sz="1200"/>
+              <a:t>      </a:t>
+            </a:r>
+            <a:r>
+              <a:rPr lang="zh-CN" altLang="en-US" sz="1200"/>
+              <a:t>查看系统中启动的</a:t>
+            </a:r>
+            <a:r>
+              <a:rPr lang="en-US" altLang="zh-CN" sz="1200"/>
+              <a:t>JVM</a:t>
+            </a:r>
+            <a:endParaRPr lang="en-US" altLang="zh-CN" sz="1200"/>
+          </a:p>
+          <a:p>
             <a:pPr marL="285750" indent="-285750">
               <a:lnSpc>
                 <a:spcPct val="150000"/>
@@ -4827,9 +4954,29 @@
             </a:pPr>
             <a:r>
               <a:rPr lang="en-US" altLang="zh-CN"/>
-              <a:t>jinfo</a:t>
+              <a:t>jstat</a:t>
             </a:r>
             <a:endParaRPr lang="en-US" altLang="zh-CN"/>
+          </a:p>
+          <a:p>
+            <a:pPr algn="l">
+              <a:lnSpc>
+                <a:spcPct val="150000"/>
+              </a:lnSpc>
+              <a:buClrTx/>
+              <a:buSzTx/>
+              <a:buFont typeface="Arial" panose="020B0604020202020204" pitchFamily="34" charset="0"/>
+              <a:buNone/>
+            </a:pPr>
+            <a:r>
+              <a:rPr lang="en-US" altLang="zh-CN"/>
+              <a:t>    </a:t>
+            </a:r>
+            <a:r>
+              <a:rPr lang="zh-CN" altLang="en-US" sz="1200"/>
+              <a:t>通过指定开关选项对JVM相关性能数据进行统计</a:t>
+            </a:r>
+            <a:endParaRPr lang="zh-CN" altLang="en-US" sz="1200"/>
           </a:p>
           <a:p>
             <a:pPr marL="285750" indent="-285750">
@@ -4840,10 +4987,42 @@
               <a:buChar char="•"/>
             </a:pPr>
             <a:r>
+              <a:rPr lang="en-US" altLang="zh-CN">
+                <a:sym typeface="+mn-ea"/>
+              </a:rPr>
+              <a:t>jinfo</a:t>
+            </a:r>
+            <a:endParaRPr lang="en-US" altLang="zh-CN">
+              <a:sym typeface="+mn-ea"/>
+            </a:endParaRPr>
+          </a:p>
+          <a:p>
+            <a:pPr algn="l">
+              <a:lnSpc>
+                <a:spcPct val="150000"/>
+              </a:lnSpc>
+              <a:buClrTx/>
+              <a:buSzTx/>
+              <a:buFont typeface="Arial" panose="020B0604020202020204" pitchFamily="34" charset="0"/>
+              <a:buNone/>
+            </a:pPr>
+            <a:r>
               <a:rPr lang="en-US" altLang="zh-CN"/>
-              <a:t>jstat</a:t>
-            </a:r>
-            <a:endParaRPr lang="zh-CN" altLang="en-US"/>
+              <a:t>    </a:t>
+            </a:r>
+            <a:r>
+              <a:rPr lang="zh-CN" altLang="en-US" sz="1200"/>
+              <a:t>查看</a:t>
+            </a:r>
+            <a:r>
+              <a:rPr lang="en-US" altLang="zh-CN" sz="1200"/>
+              <a:t>JVM</a:t>
+            </a:r>
+            <a:r>
+              <a:rPr lang="zh-CN" altLang="en-US" sz="1200"/>
+              <a:t>进程配置信息，比如系统属性</a:t>
+            </a:r>
+            <a:endParaRPr lang="en-US" altLang="zh-CN" sz="1200"/>
           </a:p>
           <a:p>
             <a:pPr marL="285750" indent="-285750">
@@ -4860,6 +5039,25 @@
             <a:endParaRPr lang="en-US" altLang="zh-CN"/>
           </a:p>
           <a:p>
+            <a:pPr algn="l">
+              <a:lnSpc>
+                <a:spcPct val="150000"/>
+              </a:lnSpc>
+              <a:buClrTx/>
+              <a:buSzTx/>
+              <a:buFont typeface="Arial" panose="020B0604020202020204" pitchFamily="34" charset="0"/>
+            </a:pPr>
+            <a:r>
+              <a:rPr lang="en-US" altLang="zh-CN" sz="1200"/>
+              <a:t>      </a:t>
+            </a:r>
+            <a:r>
+              <a:rPr lang="zh-CN" altLang="en-US" sz="1200"/>
+              <a:t>对线程的堆栈信息进行跟踪</a:t>
+            </a:r>
+            <a:endParaRPr lang="zh-CN" altLang="en-US" sz="1200"/>
+          </a:p>
+          <a:p>
             <a:pPr marL="285750" indent="-285750">
               <a:lnSpc>
                 <a:spcPct val="150000"/>
@@ -4871,6 +5069,32 @@
               <a:rPr lang="en-US" altLang="zh-CN"/>
               <a:t>jmap</a:t>
             </a:r>
+            <a:endParaRPr lang="en-US" altLang="zh-CN"/>
+          </a:p>
+          <a:p>
+            <a:pPr indent="0">
+              <a:lnSpc>
+                <a:spcPct val="150000"/>
+              </a:lnSpc>
+              <a:buFont typeface="Arial" panose="020B0604020202020204" pitchFamily="34" charset="0"/>
+              <a:buNone/>
+            </a:pPr>
+            <a:r>
+              <a:rPr lang="en-US" altLang="zh-CN"/>
+              <a:t>    </a:t>
+            </a:r>
+            <a:r>
+              <a:rPr lang="zh-CN" altLang="en-US" sz="1200"/>
+              <a:t>打印</a:t>
+            </a:r>
+            <a:r>
+              <a:rPr lang="en-US" altLang="zh-CN" sz="1200"/>
+              <a:t>GC</a:t>
+            </a:r>
+            <a:r>
+              <a:rPr lang="zh-CN" altLang="en-US" sz="1200"/>
+              <a:t>的堆内存信息</a:t>
+            </a:r>
             <a:endParaRPr lang="zh-CN" altLang="en-US"/>
           </a:p>
           <a:p>
@@ -4884,6 +5108,24 @@
             <a:r>
               <a:rPr lang="en-US" altLang="zh-CN"/>
               <a:t>jconsole</a:t>
+            </a:r>
+            <a:endParaRPr lang="en-US" altLang="zh-CN"/>
+          </a:p>
+          <a:p>
+            <a:pPr indent="0">
+              <a:lnSpc>
+                <a:spcPct val="150000"/>
+              </a:lnSpc>
+              <a:buFont typeface="Arial" panose="020B0604020202020204" pitchFamily="34" charset="0"/>
+              <a:buNone/>
+            </a:pPr>
+            <a:r>
+              <a:rPr lang="en-US" altLang="zh-CN"/>
+              <a:t>    </a:t>
+            </a:r>
+            <a:r>
+              <a:rPr lang="zh-CN" altLang="en-US" sz="1200"/>
+              <a:t>图形化JVM监控工具</a:t>
             </a:r>
             <a:endParaRPr lang="zh-CN" altLang="en-US"/>
           </a:p>
